--- a/Office Leave Management System.pptx
+++ b/Office Leave Management System.pptx
@@ -12,7 +12,11 @@
     <p:sldId id="260" r:id="rId6"/>
     <p:sldId id="261" r:id="rId7"/>
     <p:sldId id="262" r:id="rId8"/>
-    <p:sldId id="263" r:id="rId9"/>
+    <p:sldId id="264" r:id="rId9"/>
+    <p:sldId id="265" r:id="rId10"/>
+    <p:sldId id="266" r:id="rId11"/>
+    <p:sldId id="267" r:id="rId12"/>
+    <p:sldId id="263" r:id="rId13"/>
   </p:sldIdLst>
   <p:sldSz cx="12192000" cy="6858000"/>
   <p:notesSz cx="6858000" cy="9144000"/>
@@ -111,6 +115,11 @@
       </a:defRPr>
     </a:lvl9pPr>
   </p:defaultTextStyle>
+  <p:extLst>
+    <p:ext uri="{EFAFB233-063F-42B5-8137-9DF3F51BA10A}">
+      <p15:sldGuideLst xmlns:p15="http://schemas.microsoft.com/office/powerpoint/2012/main"/>
+    </p:ext>
+  </p:extLst>
 </p:presentation>
 </file>
 
@@ -6172,6 +6181,293 @@
 </p:sld>
 </file>
 
+<file path=ppt/slides/slide10.xml><?xml version="1.0" encoding="utf-8"?>
+<p:sld xmlns:a="http://schemas.openxmlformats.org/drawingml/2006/main" xmlns:r="http://schemas.openxmlformats.org/officeDocument/2006/relationships" xmlns:p="http://schemas.openxmlformats.org/presentationml/2006/main">
+  <p:cSld>
+    <p:spTree>
+      <p:nvGrpSpPr>
+        <p:cNvPr id="1" name=""/>
+        <p:cNvGrpSpPr/>
+        <p:nvPr/>
+      </p:nvGrpSpPr>
+      <p:grpSpPr>
+        <a:xfrm>
+          <a:off x="0" y="0"/>
+          <a:ext cx="0" cy="0"/>
+          <a:chOff x="0" y="0"/>
+          <a:chExt cx="0" cy="0"/>
+        </a:xfrm>
+      </p:grpSpPr>
+      <p:sp>
+        <p:nvSpPr>
+          <p:cNvPr id="2" name="Title 1">
+            <a:extLst>
+              <a:ext uri="{FF2B5EF4-FFF2-40B4-BE49-F238E27FC236}">
+                <a16:creationId xmlns:a16="http://schemas.microsoft.com/office/drawing/2014/main" id="{7630272A-0627-5529-88F0-17F1ADBD4728}"/>
+              </a:ext>
+            </a:extLst>
+          </p:cNvPr>
+          <p:cNvSpPr>
+            <a:spLocks noGrp="1"/>
+          </p:cNvSpPr>
+          <p:nvPr>
+            <p:ph type="title"/>
+          </p:nvPr>
+        </p:nvSpPr>
+        <p:spPr/>
+        <p:txBody>
+          <a:bodyPr/>
+          <a:lstStyle/>
+          <a:p>
+            <a:r>
+              <a:rPr lang="en-US" dirty="0"/>
+              <a:t>Leave History Report</a:t>
+            </a:r>
+            <a:endParaRPr lang="en-IN" dirty="0"/>
+          </a:p>
+        </p:txBody>
+      </p:sp>
+      <p:pic>
+        <p:nvPicPr>
+          <p:cNvPr id="5" name="Content Placeholder 4">
+            <a:extLst>
+              <a:ext uri="{FF2B5EF4-FFF2-40B4-BE49-F238E27FC236}">
+                <a16:creationId xmlns:a16="http://schemas.microsoft.com/office/drawing/2014/main" id="{DEA1C4EA-0AB4-4D7B-C50A-8D15BFC26FAB}"/>
+              </a:ext>
+            </a:extLst>
+          </p:cNvPr>
+          <p:cNvPicPr>
+            <a:picLocks noGrp="1" noChangeAspect="1"/>
+          </p:cNvPicPr>
+          <p:nvPr>
+            <p:ph idx="1"/>
+          </p:nvPr>
+        </p:nvPicPr>
+        <p:blipFill>
+          <a:blip r:embed="rId2">
+            <a:extLst>
+              <a:ext uri="{28A0092B-C50C-407E-A947-70E740481C1C}">
+                <a14:useLocalDpi xmlns:a14="http://schemas.microsoft.com/office/drawing/2010/main" val="0"/>
+              </a:ext>
+            </a:extLst>
+          </a:blip>
+          <a:stretch>
+            <a:fillRect/>
+          </a:stretch>
+        </p:blipFill>
+        <p:spPr>
+          <a:xfrm>
+            <a:off x="745562" y="1347788"/>
+            <a:ext cx="9305272" cy="5373144"/>
+          </a:xfrm>
+        </p:spPr>
+      </p:pic>
+    </p:spTree>
+    <p:extLst>
+      <p:ext uri="{BB962C8B-B14F-4D97-AF65-F5344CB8AC3E}">
+        <p14:creationId xmlns:p14="http://schemas.microsoft.com/office/powerpoint/2010/main" val="1354062731"/>
+      </p:ext>
+    </p:extLst>
+  </p:cSld>
+  <p:clrMapOvr>
+    <a:masterClrMapping/>
+  </p:clrMapOvr>
+</p:sld>
+</file>
+
+<file path=ppt/slides/slide11.xml><?xml version="1.0" encoding="utf-8"?>
+<p:sld xmlns:a="http://schemas.openxmlformats.org/drawingml/2006/main" xmlns:r="http://schemas.openxmlformats.org/officeDocument/2006/relationships" xmlns:p="http://schemas.openxmlformats.org/presentationml/2006/main">
+  <p:cSld>
+    <p:spTree>
+      <p:nvGrpSpPr>
+        <p:cNvPr id="1" name=""/>
+        <p:cNvGrpSpPr/>
+        <p:nvPr/>
+      </p:nvGrpSpPr>
+      <p:grpSpPr>
+        <a:xfrm>
+          <a:off x="0" y="0"/>
+          <a:ext cx="0" cy="0"/>
+          <a:chOff x="0" y="0"/>
+          <a:chExt cx="0" cy="0"/>
+        </a:xfrm>
+      </p:grpSpPr>
+      <p:sp>
+        <p:nvSpPr>
+          <p:cNvPr id="2" name="Title 1">
+            <a:extLst>
+              <a:ext uri="{FF2B5EF4-FFF2-40B4-BE49-F238E27FC236}">
+                <a16:creationId xmlns:a16="http://schemas.microsoft.com/office/drawing/2014/main" id="{DA2F1D11-698C-AF94-FDA9-067560C3ECBF}"/>
+              </a:ext>
+            </a:extLst>
+          </p:cNvPr>
+          <p:cNvSpPr>
+            <a:spLocks noGrp="1"/>
+          </p:cNvSpPr>
+          <p:nvPr>
+            <p:ph type="title"/>
+          </p:nvPr>
+        </p:nvSpPr>
+        <p:spPr/>
+        <p:txBody>
+          <a:bodyPr/>
+          <a:lstStyle/>
+          <a:p>
+            <a:r>
+              <a:rPr lang="en-US" dirty="0"/>
+              <a:t>Leave Balance Report</a:t>
+            </a:r>
+            <a:endParaRPr lang="en-IN" dirty="0"/>
+          </a:p>
+        </p:txBody>
+      </p:sp>
+      <p:pic>
+        <p:nvPicPr>
+          <p:cNvPr id="5" name="Content Placeholder 4">
+            <a:extLst>
+              <a:ext uri="{FF2B5EF4-FFF2-40B4-BE49-F238E27FC236}">
+                <a16:creationId xmlns:a16="http://schemas.microsoft.com/office/drawing/2014/main" id="{DA491058-18FF-E957-9017-53A57C0EC6C8}"/>
+              </a:ext>
+            </a:extLst>
+          </p:cNvPr>
+          <p:cNvPicPr>
+            <a:picLocks noGrp="1" noChangeAspect="1"/>
+          </p:cNvPicPr>
+          <p:nvPr>
+            <p:ph idx="1"/>
+          </p:nvPr>
+        </p:nvPicPr>
+        <p:blipFill>
+          <a:blip r:embed="rId2">
+            <a:extLst>
+              <a:ext uri="{28A0092B-C50C-407E-A947-70E740481C1C}">
+                <a14:useLocalDpi xmlns:a14="http://schemas.microsoft.com/office/drawing/2010/main" val="0"/>
+              </a:ext>
+            </a:extLst>
+          </a:blip>
+          <a:stretch>
+            <a:fillRect/>
+          </a:stretch>
+        </p:blipFill>
+        <p:spPr>
+          <a:xfrm>
+            <a:off x="2457450" y="1204767"/>
+            <a:ext cx="6247260" cy="5577033"/>
+          </a:xfrm>
+        </p:spPr>
+      </p:pic>
+    </p:spTree>
+    <p:extLst>
+      <p:ext uri="{BB962C8B-B14F-4D97-AF65-F5344CB8AC3E}">
+        <p14:creationId xmlns:p14="http://schemas.microsoft.com/office/powerpoint/2010/main" val="2335250832"/>
+      </p:ext>
+    </p:extLst>
+  </p:cSld>
+  <p:clrMapOvr>
+    <a:masterClrMapping/>
+  </p:clrMapOvr>
+</p:sld>
+</file>
+
+<file path=ppt/slides/slide12.xml><?xml version="1.0" encoding="utf-8"?>
+<p:sld xmlns:a="http://schemas.openxmlformats.org/drawingml/2006/main" xmlns:r="http://schemas.openxmlformats.org/officeDocument/2006/relationships" xmlns:p="http://schemas.openxmlformats.org/presentationml/2006/main">
+  <p:cSld>
+    <p:spTree>
+      <p:nvGrpSpPr>
+        <p:cNvPr id="1" name=""/>
+        <p:cNvGrpSpPr/>
+        <p:nvPr/>
+      </p:nvGrpSpPr>
+      <p:grpSpPr>
+        <a:xfrm>
+          <a:off x="0" y="0"/>
+          <a:ext cx="0" cy="0"/>
+          <a:chOff x="0" y="0"/>
+          <a:chExt cx="0" cy="0"/>
+        </a:xfrm>
+      </p:grpSpPr>
+      <p:sp>
+        <p:nvSpPr>
+          <p:cNvPr id="2" name="Title 1">
+            <a:extLst>
+              <a:ext uri="{FF2B5EF4-FFF2-40B4-BE49-F238E27FC236}">
+                <a16:creationId xmlns:a16="http://schemas.microsoft.com/office/drawing/2014/main" id="{6B5F205D-9B0D-D063-554A-59BA1F136252}"/>
+              </a:ext>
+            </a:extLst>
+          </p:cNvPr>
+          <p:cNvSpPr>
+            <a:spLocks noGrp="1"/>
+          </p:cNvSpPr>
+          <p:nvPr>
+            <p:ph type="title"/>
+          </p:nvPr>
+        </p:nvSpPr>
+        <p:spPr>
+          <a:xfrm>
+            <a:off x="733425" y="452718"/>
+            <a:ext cx="9317409" cy="1118907"/>
+          </a:xfrm>
+        </p:spPr>
+        <p:txBody>
+          <a:bodyPr/>
+          <a:lstStyle/>
+          <a:p>
+            <a:r>
+              <a:rPr lang="en-IN" dirty="0"/>
+              <a:t>Conclusion</a:t>
+            </a:r>
+          </a:p>
+        </p:txBody>
+      </p:sp>
+      <p:sp>
+        <p:nvSpPr>
+          <p:cNvPr id="3" name="Content Placeholder 2">
+            <a:extLst>
+              <a:ext uri="{FF2B5EF4-FFF2-40B4-BE49-F238E27FC236}">
+                <a16:creationId xmlns:a16="http://schemas.microsoft.com/office/drawing/2014/main" id="{F4F651FC-1C10-C51F-3333-E03ACE4373D0}"/>
+              </a:ext>
+            </a:extLst>
+          </p:cNvPr>
+          <p:cNvSpPr>
+            <a:spLocks noGrp="1"/>
+          </p:cNvSpPr>
+          <p:nvPr>
+            <p:ph idx="1"/>
+          </p:nvPr>
+        </p:nvSpPr>
+        <p:spPr>
+          <a:xfrm>
+            <a:off x="1047750" y="1933576"/>
+            <a:ext cx="9002103" cy="4314824"/>
+          </a:xfrm>
+        </p:spPr>
+        <p:txBody>
+          <a:bodyPr>
+            <a:normAutofit/>
+          </a:bodyPr>
+          <a:lstStyle/>
+          <a:p>
+            <a:r>
+              <a:rPr lang="en-US" sz="2400" dirty="0"/>
+              <a:t>In conclusion, the Office Leave Management System is a powerful tool that can help organizations of all sizes to streamline their leave management process and improve overall efficiency.</a:t>
+            </a:r>
+            <a:endParaRPr lang="en-IN" sz="2400" dirty="0"/>
+          </a:p>
+        </p:txBody>
+      </p:sp>
+    </p:spTree>
+    <p:extLst>
+      <p:ext uri="{BB962C8B-B14F-4D97-AF65-F5344CB8AC3E}">
+        <p14:creationId xmlns:p14="http://schemas.microsoft.com/office/powerpoint/2010/main" val="601801345"/>
+      </p:ext>
+    </p:extLst>
+  </p:cSld>
+  <p:clrMapOvr>
+    <a:masterClrMapping/>
+  </p:clrMapOvr>
+</p:sld>
+</file>
+
 <file path=ppt/slides/slide2.xml><?xml version="1.0" encoding="utf-8"?>
 <p:sld xmlns:a="http://schemas.openxmlformats.org/drawingml/2006/main" xmlns:r="http://schemas.openxmlformats.org/officeDocument/2006/relationships" xmlns:p="http://schemas.openxmlformats.org/presentationml/2006/main">
   <p:cSld>
@@ -6354,15 +6650,7 @@
           <a:p>
             <a:r>
               <a:rPr lang="en-US" sz="2400" dirty="0"/>
-              <a:t>The </a:t>
-            </a:r>
-            <a:r>
-              <a:rPr lang="en-US" sz="2400" dirty="0" err="1"/>
-              <a:t>Offlice</a:t>
-            </a:r>
-            <a:r>
-              <a:rPr lang="en-US" sz="2400" dirty="0"/>
-              <a:t> Leave Management System offers a range of features that make it easy for both employees and managers to manage leave requests. These features include automated leave balance calculations, customizable leave policies, and real-time status updates on leave requests.</a:t>
+              <a:t>The Office Leave Management System offers a range of features that make it easy for both employees and managers to manage leave requests. These features include automated leave balance calculations, customizable leave policies, and real-time status updates on leave requests.</a:t>
             </a:r>
             <a:endParaRPr lang="en-IN" sz="2400" dirty="0"/>
           </a:p>
@@ -6843,7 +7131,7 @@
           <p:cNvPr id="2" name="Title 1">
             <a:extLst>
               <a:ext uri="{FF2B5EF4-FFF2-40B4-BE49-F238E27FC236}">
-                <a16:creationId xmlns:a16="http://schemas.microsoft.com/office/drawing/2014/main" id="{6B5F205D-9B0D-D063-554A-59BA1F136252}"/>
+                <a16:creationId xmlns:a16="http://schemas.microsoft.com/office/drawing/2014/main" id="{6A9A108C-27CA-BF37-D7B2-F3C1FE92364F}"/>
               </a:ext>
             </a:extLst>
           </p:cNvPr>
@@ -6854,63 +7142,152 @@
             <p:ph type="title"/>
           </p:nvPr>
         </p:nvSpPr>
-        <p:spPr>
-          <a:xfrm>
-            <a:off x="733425" y="452718"/>
-            <a:ext cx="9317409" cy="1118907"/>
-          </a:xfrm>
-        </p:spPr>
-        <p:txBody>
-          <a:bodyPr/>
-          <a:lstStyle/>
-          <a:p>
-            <a:r>
-              <a:rPr lang="en-IN" dirty="0"/>
-              <a:t>Conclusion</a:t>
-            </a:r>
-          </a:p>
-        </p:txBody>
-      </p:sp>
-      <p:sp>
-        <p:nvSpPr>
-          <p:cNvPr id="3" name="Content Placeholder 2">
+        <p:spPr/>
+        <p:txBody>
+          <a:bodyPr/>
+          <a:lstStyle/>
+          <a:p>
+            <a:r>
+              <a:rPr lang="en-US" dirty="0"/>
+              <a:t>Apply for leave</a:t>
+            </a:r>
+            <a:endParaRPr lang="en-IN" dirty="0"/>
+          </a:p>
+        </p:txBody>
+      </p:sp>
+      <p:pic>
+        <p:nvPicPr>
+          <p:cNvPr id="5" name="Content Placeholder 4">
             <a:extLst>
               <a:ext uri="{FF2B5EF4-FFF2-40B4-BE49-F238E27FC236}">
-                <a16:creationId xmlns:a16="http://schemas.microsoft.com/office/drawing/2014/main" id="{F4F651FC-1C10-C51F-3333-E03ACE4373D0}"/>
+                <a16:creationId xmlns:a16="http://schemas.microsoft.com/office/drawing/2014/main" id="{0F9A8647-A054-93C3-BAA6-822E82299B92}"/>
               </a:ext>
             </a:extLst>
           </p:cNvPr>
-          <p:cNvSpPr>
-            <a:spLocks noGrp="1"/>
-          </p:cNvSpPr>
+          <p:cNvPicPr>
+            <a:picLocks noGrp="1" noChangeAspect="1"/>
+          </p:cNvPicPr>
           <p:nvPr>
             <p:ph idx="1"/>
           </p:nvPr>
-        </p:nvSpPr>
+        </p:nvPicPr>
+        <p:blipFill>
+          <a:blip r:embed="rId2">
+            <a:extLst>
+              <a:ext uri="{28A0092B-C50C-407E-A947-70E740481C1C}">
+                <a14:useLocalDpi xmlns:a14="http://schemas.microsoft.com/office/drawing/2010/main" val="0"/>
+              </a:ext>
+            </a:extLst>
+          </a:blip>
+          <a:stretch>
+            <a:fillRect/>
+          </a:stretch>
+        </p:blipFill>
         <p:spPr>
           <a:xfrm>
-            <a:off x="1047750" y="1933576"/>
-            <a:ext cx="9002103" cy="4314824"/>
+            <a:off x="419100" y="1371599"/>
+            <a:ext cx="11410949" cy="5191125"/>
           </a:xfrm>
         </p:spPr>
-        <p:txBody>
-          <a:bodyPr>
-            <a:normAutofit/>
-          </a:bodyPr>
-          <a:lstStyle/>
-          <a:p>
-            <a:r>
-              <a:rPr lang="en-US" sz="2400" dirty="0"/>
-              <a:t>In conclusion, the Office Leave Management System is a powerful tool that can help organizations of all sizes to streamline their leave management process and improve overall efficiency.</a:t>
-            </a:r>
-            <a:endParaRPr lang="en-IN" sz="2400" dirty="0"/>
-          </a:p>
-        </p:txBody>
-      </p:sp>
+      </p:pic>
     </p:spTree>
     <p:extLst>
       <p:ext uri="{BB962C8B-B14F-4D97-AF65-F5344CB8AC3E}">
-        <p14:creationId xmlns:p14="http://schemas.microsoft.com/office/powerpoint/2010/main" val="601801345"/>
+        <p14:creationId xmlns:p14="http://schemas.microsoft.com/office/powerpoint/2010/main" val="1371630020"/>
+      </p:ext>
+    </p:extLst>
+  </p:cSld>
+  <p:clrMapOvr>
+    <a:masterClrMapping/>
+  </p:clrMapOvr>
+</p:sld>
+</file>
+
+<file path=ppt/slides/slide9.xml><?xml version="1.0" encoding="utf-8"?>
+<p:sld xmlns:a="http://schemas.openxmlformats.org/drawingml/2006/main" xmlns:r="http://schemas.openxmlformats.org/officeDocument/2006/relationships" xmlns:p="http://schemas.openxmlformats.org/presentationml/2006/main">
+  <p:cSld>
+    <p:spTree>
+      <p:nvGrpSpPr>
+        <p:cNvPr id="1" name=""/>
+        <p:cNvGrpSpPr/>
+        <p:nvPr/>
+      </p:nvGrpSpPr>
+      <p:grpSpPr>
+        <a:xfrm>
+          <a:off x="0" y="0"/>
+          <a:ext cx="0" cy="0"/>
+          <a:chOff x="0" y="0"/>
+          <a:chExt cx="0" cy="0"/>
+        </a:xfrm>
+      </p:grpSpPr>
+      <p:sp>
+        <p:nvSpPr>
+          <p:cNvPr id="2" name="Title 1">
+            <a:extLst>
+              <a:ext uri="{FF2B5EF4-FFF2-40B4-BE49-F238E27FC236}">
+                <a16:creationId xmlns:a16="http://schemas.microsoft.com/office/drawing/2014/main" id="{F9B618FA-5DDF-1B3E-683C-00958C818222}"/>
+              </a:ext>
+            </a:extLst>
+          </p:cNvPr>
+          <p:cNvSpPr>
+            <a:spLocks noGrp="1"/>
+          </p:cNvSpPr>
+          <p:nvPr>
+            <p:ph type="title"/>
+          </p:nvPr>
+        </p:nvSpPr>
+        <p:spPr/>
+        <p:txBody>
+          <a:bodyPr/>
+          <a:lstStyle/>
+          <a:p>
+            <a:r>
+              <a:rPr lang="en-US" dirty="0"/>
+              <a:t>Approve or Reject the Leave</a:t>
+            </a:r>
+            <a:endParaRPr lang="en-IN" dirty="0"/>
+          </a:p>
+        </p:txBody>
+      </p:sp>
+      <p:pic>
+        <p:nvPicPr>
+          <p:cNvPr id="7" name="Content Placeholder 6">
+            <a:extLst>
+              <a:ext uri="{FF2B5EF4-FFF2-40B4-BE49-F238E27FC236}">
+                <a16:creationId xmlns:a16="http://schemas.microsoft.com/office/drawing/2014/main" id="{A58D901A-4F28-C5F0-078C-6F3F37913E23}"/>
+              </a:ext>
+            </a:extLst>
+          </p:cNvPr>
+          <p:cNvPicPr>
+            <a:picLocks noGrp="1" noChangeAspect="1"/>
+          </p:cNvPicPr>
+          <p:nvPr>
+            <p:ph idx="1"/>
+          </p:nvPr>
+        </p:nvPicPr>
+        <p:blipFill>
+          <a:blip r:embed="rId2">
+            <a:extLst>
+              <a:ext uri="{28A0092B-C50C-407E-A947-70E740481C1C}">
+                <a14:useLocalDpi xmlns:a14="http://schemas.microsoft.com/office/drawing/2010/main" val="0"/>
+              </a:ext>
+            </a:extLst>
+          </a:blip>
+          <a:stretch>
+            <a:fillRect/>
+          </a:stretch>
+        </p:blipFill>
+        <p:spPr>
+          <a:xfrm>
+            <a:off x="312738" y="1604010"/>
+            <a:ext cx="11341874" cy="4801272"/>
+          </a:xfrm>
+        </p:spPr>
+      </p:pic>
+    </p:spTree>
+    <p:extLst>
+      <p:ext uri="{BB962C8B-B14F-4D97-AF65-F5344CB8AC3E}">
+        <p14:creationId xmlns:p14="http://schemas.microsoft.com/office/powerpoint/2010/main" val="3936931209"/>
       </p:ext>
     </p:extLst>
   </p:cSld>

--- a/Office Leave Management System.pptx
+++ b/Office Leave Management System.pptx
@@ -8,15 +8,20 @@
     <p:sldId id="256" r:id="rId2"/>
     <p:sldId id="257" r:id="rId3"/>
     <p:sldId id="258" r:id="rId4"/>
-    <p:sldId id="259" r:id="rId5"/>
-    <p:sldId id="260" r:id="rId6"/>
-    <p:sldId id="261" r:id="rId7"/>
-    <p:sldId id="262" r:id="rId8"/>
-    <p:sldId id="264" r:id="rId9"/>
-    <p:sldId id="265" r:id="rId10"/>
-    <p:sldId id="266" r:id="rId11"/>
-    <p:sldId id="267" r:id="rId12"/>
-    <p:sldId id="263" r:id="rId13"/>
+    <p:sldId id="268" r:id="rId5"/>
+    <p:sldId id="259" r:id="rId6"/>
+    <p:sldId id="260" r:id="rId7"/>
+    <p:sldId id="261" r:id="rId8"/>
+    <p:sldId id="262" r:id="rId9"/>
+    <p:sldId id="270" r:id="rId10"/>
+    <p:sldId id="264" r:id="rId11"/>
+    <p:sldId id="271" r:id="rId12"/>
+    <p:sldId id="272" r:id="rId13"/>
+    <p:sldId id="265" r:id="rId14"/>
+    <p:sldId id="266" r:id="rId15"/>
+    <p:sldId id="267" r:id="rId16"/>
+    <p:sldId id="263" r:id="rId17"/>
+    <p:sldId id="269" r:id="rId18"/>
   </p:sldIdLst>
   <p:sldSz cx="12192000" cy="6858000"/>
   <p:notesSz cx="6858000" cy="9144000"/>
@@ -309,7 +314,7 @@
           <a:p>
             <a:fld id="{C6513A95-F350-488C-BE8F-867987FD86AC}" type="datetimeFigureOut">
               <a:rPr lang="en-IN" smtClean="0"/>
-              <a:t>16-04-2023</a:t>
+              <a:t>19-04-2023</a:t>
             </a:fld>
             <a:endParaRPr lang="en-IN"/>
           </a:p>
@@ -584,7 +589,7 @@
           <a:p>
             <a:fld id="{C6513A95-F350-488C-BE8F-867987FD86AC}" type="datetimeFigureOut">
               <a:rPr lang="en-IN" smtClean="0"/>
-              <a:t>16-04-2023</a:t>
+              <a:t>19-04-2023</a:t>
             </a:fld>
             <a:endParaRPr lang="en-IN"/>
           </a:p>
@@ -778,7 +783,7 @@
           <a:p>
             <a:fld id="{C6513A95-F350-488C-BE8F-867987FD86AC}" type="datetimeFigureOut">
               <a:rPr lang="en-IN" smtClean="0"/>
-              <a:t>16-04-2023</a:t>
+              <a:t>19-04-2023</a:t>
             </a:fld>
             <a:endParaRPr lang="en-IN"/>
           </a:p>
@@ -1051,7 +1056,7 @@
           <a:p>
             <a:fld id="{C6513A95-F350-488C-BE8F-867987FD86AC}" type="datetimeFigureOut">
               <a:rPr lang="en-IN" smtClean="0"/>
-              <a:t>16-04-2023</a:t>
+              <a:t>19-04-2023</a:t>
             </a:fld>
             <a:endParaRPr lang="en-IN"/>
           </a:p>
@@ -1392,7 +1397,7 @@
           <a:p>
             <a:fld id="{C6513A95-F350-488C-BE8F-867987FD86AC}" type="datetimeFigureOut">
               <a:rPr lang="en-IN" smtClean="0"/>
-              <a:t>16-04-2023</a:t>
+              <a:t>19-04-2023</a:t>
             </a:fld>
             <a:endParaRPr lang="en-IN"/>
           </a:p>
@@ -2015,7 +2020,7 @@
           <a:p>
             <a:fld id="{C6513A95-F350-488C-BE8F-867987FD86AC}" type="datetimeFigureOut">
               <a:rPr lang="en-IN" smtClean="0"/>
-              <a:t>16-04-2023</a:t>
+              <a:t>19-04-2023</a:t>
             </a:fld>
             <a:endParaRPr lang="en-IN"/>
           </a:p>
@@ -2875,7 +2880,7 @@
           <a:p>
             <a:fld id="{C6513A95-F350-488C-BE8F-867987FD86AC}" type="datetimeFigureOut">
               <a:rPr lang="en-IN" smtClean="0"/>
-              <a:t>16-04-2023</a:t>
+              <a:t>19-04-2023</a:t>
             </a:fld>
             <a:endParaRPr lang="en-IN"/>
           </a:p>
@@ -3045,7 +3050,7 @@
           <a:p>
             <a:fld id="{C6513A95-F350-488C-BE8F-867987FD86AC}" type="datetimeFigureOut">
               <a:rPr lang="en-IN" smtClean="0"/>
-              <a:t>16-04-2023</a:t>
+              <a:t>19-04-2023</a:t>
             </a:fld>
             <a:endParaRPr lang="en-IN"/>
           </a:p>
@@ -3225,7 +3230,7 @@
           <a:p>
             <a:fld id="{C6513A95-F350-488C-BE8F-867987FD86AC}" type="datetimeFigureOut">
               <a:rPr lang="en-IN" smtClean="0"/>
-              <a:t>16-04-2023</a:t>
+              <a:t>19-04-2023</a:t>
             </a:fld>
             <a:endParaRPr lang="en-IN"/>
           </a:p>
@@ -3395,7 +3400,7 @@
           <a:p>
             <a:fld id="{C6513A95-F350-488C-BE8F-867987FD86AC}" type="datetimeFigureOut">
               <a:rPr lang="en-IN" smtClean="0"/>
-              <a:t>16-04-2023</a:t>
+              <a:t>19-04-2023</a:t>
             </a:fld>
             <a:endParaRPr lang="en-IN"/>
           </a:p>
@@ -3642,7 +3647,7 @@
           <a:p>
             <a:fld id="{C6513A95-F350-488C-BE8F-867987FD86AC}" type="datetimeFigureOut">
               <a:rPr lang="en-IN" smtClean="0"/>
-              <a:t>16-04-2023</a:t>
+              <a:t>19-04-2023</a:t>
             </a:fld>
             <a:endParaRPr lang="en-IN"/>
           </a:p>
@@ -3934,7 +3939,7 @@
           <a:p>
             <a:fld id="{C6513A95-F350-488C-BE8F-867987FD86AC}" type="datetimeFigureOut">
               <a:rPr lang="en-IN" smtClean="0"/>
-              <a:t>16-04-2023</a:t>
+              <a:t>19-04-2023</a:t>
             </a:fld>
             <a:endParaRPr lang="en-IN"/>
           </a:p>
@@ -4378,7 +4383,7 @@
           <a:p>
             <a:fld id="{C6513A95-F350-488C-BE8F-867987FD86AC}" type="datetimeFigureOut">
               <a:rPr lang="en-IN" smtClean="0"/>
-              <a:t>16-04-2023</a:t>
+              <a:t>19-04-2023</a:t>
             </a:fld>
             <a:endParaRPr lang="en-IN"/>
           </a:p>
@@ -4496,7 +4501,7 @@
           <a:p>
             <a:fld id="{C6513A95-F350-488C-BE8F-867987FD86AC}" type="datetimeFigureOut">
               <a:rPr lang="en-IN" smtClean="0"/>
-              <a:t>16-04-2023</a:t>
+              <a:t>19-04-2023</a:t>
             </a:fld>
             <a:endParaRPr lang="en-IN"/>
           </a:p>
@@ -4591,7 +4596,7 @@
           <a:p>
             <a:fld id="{C6513A95-F350-488C-BE8F-867987FD86AC}" type="datetimeFigureOut">
               <a:rPr lang="en-IN" smtClean="0"/>
-              <a:t>16-04-2023</a:t>
+              <a:t>19-04-2023</a:t>
             </a:fld>
             <a:endParaRPr lang="en-IN"/>
           </a:p>
@@ -4870,7 +4875,7 @@
           <a:p>
             <a:fld id="{C6513A95-F350-488C-BE8F-867987FD86AC}" type="datetimeFigureOut">
               <a:rPr lang="en-IN" smtClean="0"/>
-              <a:t>16-04-2023</a:t>
+              <a:t>19-04-2023</a:t>
             </a:fld>
             <a:endParaRPr lang="en-IN"/>
           </a:p>
@@ -5145,7 +5150,7 @@
           <a:p>
             <a:fld id="{C6513A95-F350-488C-BE8F-867987FD86AC}" type="datetimeFigureOut">
               <a:rPr lang="en-IN" smtClean="0"/>
-              <a:t>16-04-2023</a:t>
+              <a:t>19-04-2023</a:t>
             </a:fld>
             <a:endParaRPr lang="en-IN"/>
           </a:p>
@@ -5574,7 +5579,7 @@
           <a:p>
             <a:fld id="{C6513A95-F350-488C-BE8F-867987FD86AC}" type="datetimeFigureOut">
               <a:rPr lang="en-IN" smtClean="0"/>
-              <a:t>16-04-2023</a:t>
+              <a:t>19-04-2023</a:t>
             </a:fld>
             <a:endParaRPr lang="en-IN"/>
           </a:p>
@@ -6203,6 +6208,423 @@
           <p:cNvPr id="2" name="Title 1">
             <a:extLst>
               <a:ext uri="{FF2B5EF4-FFF2-40B4-BE49-F238E27FC236}">
+                <a16:creationId xmlns:a16="http://schemas.microsoft.com/office/drawing/2014/main" id="{6A9A108C-27CA-BF37-D7B2-F3C1FE92364F}"/>
+              </a:ext>
+            </a:extLst>
+          </p:cNvPr>
+          <p:cNvSpPr>
+            <a:spLocks noGrp="1"/>
+          </p:cNvSpPr>
+          <p:nvPr>
+            <p:ph type="title"/>
+          </p:nvPr>
+        </p:nvSpPr>
+        <p:spPr/>
+        <p:txBody>
+          <a:bodyPr/>
+          <a:lstStyle/>
+          <a:p>
+            <a:r>
+              <a:rPr lang="en-US" dirty="0"/>
+              <a:t>Apply for leave</a:t>
+            </a:r>
+            <a:endParaRPr lang="en-IN" dirty="0"/>
+          </a:p>
+        </p:txBody>
+      </p:sp>
+      <p:pic>
+        <p:nvPicPr>
+          <p:cNvPr id="5" name="Content Placeholder 4">
+            <a:extLst>
+              <a:ext uri="{FF2B5EF4-FFF2-40B4-BE49-F238E27FC236}">
+                <a16:creationId xmlns:a16="http://schemas.microsoft.com/office/drawing/2014/main" id="{0F9A8647-A054-93C3-BAA6-822E82299B92}"/>
+              </a:ext>
+            </a:extLst>
+          </p:cNvPr>
+          <p:cNvPicPr>
+            <a:picLocks noGrp="1" noChangeAspect="1"/>
+          </p:cNvPicPr>
+          <p:nvPr>
+            <p:ph idx="1"/>
+          </p:nvPr>
+        </p:nvPicPr>
+        <p:blipFill>
+          <a:blip r:embed="rId2">
+            <a:extLst>
+              <a:ext uri="{28A0092B-C50C-407E-A947-70E740481C1C}">
+                <a14:useLocalDpi xmlns:a14="http://schemas.microsoft.com/office/drawing/2010/main" val="0"/>
+              </a:ext>
+            </a:extLst>
+          </a:blip>
+          <a:stretch>
+            <a:fillRect/>
+          </a:stretch>
+        </p:blipFill>
+        <p:spPr>
+          <a:xfrm>
+            <a:off x="419100" y="1371599"/>
+            <a:ext cx="11410949" cy="5191125"/>
+          </a:xfrm>
+        </p:spPr>
+      </p:pic>
+    </p:spTree>
+    <p:extLst>
+      <p:ext uri="{BB962C8B-B14F-4D97-AF65-F5344CB8AC3E}">
+        <p14:creationId xmlns:p14="http://schemas.microsoft.com/office/powerpoint/2010/main" val="1371630020"/>
+      </p:ext>
+    </p:extLst>
+  </p:cSld>
+  <p:clrMapOvr>
+    <a:masterClrMapping/>
+  </p:clrMapOvr>
+</p:sld>
+</file>
+
+<file path=ppt/slides/slide11.xml><?xml version="1.0" encoding="utf-8"?>
+<p:sld xmlns:a="http://schemas.openxmlformats.org/drawingml/2006/main" xmlns:r="http://schemas.openxmlformats.org/officeDocument/2006/relationships" xmlns:p="http://schemas.openxmlformats.org/presentationml/2006/main">
+  <p:cSld>
+    <p:spTree>
+      <p:nvGrpSpPr>
+        <p:cNvPr id="1" name=""/>
+        <p:cNvGrpSpPr/>
+        <p:nvPr/>
+      </p:nvGrpSpPr>
+      <p:grpSpPr>
+        <a:xfrm>
+          <a:off x="0" y="0"/>
+          <a:ext cx="0" cy="0"/>
+          <a:chOff x="0" y="0"/>
+          <a:chExt cx="0" cy="0"/>
+        </a:xfrm>
+      </p:grpSpPr>
+      <p:sp>
+        <p:nvSpPr>
+          <p:cNvPr id="2" name="Title 1">
+            <a:extLst>
+              <a:ext uri="{FF2B5EF4-FFF2-40B4-BE49-F238E27FC236}">
+                <a16:creationId xmlns:a16="http://schemas.microsoft.com/office/drawing/2014/main" id="{AD899C92-6E01-53AD-7D47-5941573E8670}"/>
+              </a:ext>
+            </a:extLst>
+          </p:cNvPr>
+          <p:cNvSpPr>
+            <a:spLocks noGrp="1"/>
+          </p:cNvSpPr>
+          <p:nvPr>
+            <p:ph type="title"/>
+          </p:nvPr>
+        </p:nvSpPr>
+        <p:spPr/>
+        <p:txBody>
+          <a:bodyPr/>
+          <a:lstStyle/>
+          <a:p>
+            <a:r>
+              <a:rPr lang="en-US" dirty="0"/>
+              <a:t>Admin Module</a:t>
+            </a:r>
+            <a:br>
+              <a:rPr lang="en-US" dirty="0"/>
+            </a:br>
+            <a:endParaRPr lang="en-IN" dirty="0"/>
+          </a:p>
+        </p:txBody>
+      </p:sp>
+      <p:pic>
+        <p:nvPicPr>
+          <p:cNvPr id="9" name="Picture 8">
+            <a:extLst>
+              <a:ext uri="{FF2B5EF4-FFF2-40B4-BE49-F238E27FC236}">
+                <a16:creationId xmlns:a16="http://schemas.microsoft.com/office/drawing/2014/main" id="{85A8FC91-D95B-881A-8D38-213375355526}"/>
+              </a:ext>
+            </a:extLst>
+          </p:cNvPr>
+          <p:cNvPicPr>
+            <a:picLocks noChangeAspect="1"/>
+          </p:cNvPicPr>
+          <p:nvPr/>
+        </p:nvPicPr>
+        <p:blipFill>
+          <a:blip r:embed="rId2">
+            <a:extLst>
+              <a:ext uri="{28A0092B-C50C-407E-A947-70E740481C1C}">
+                <a14:useLocalDpi xmlns:a14="http://schemas.microsoft.com/office/drawing/2010/main" val="0"/>
+              </a:ext>
+            </a:extLst>
+          </a:blip>
+          <a:stretch>
+            <a:fillRect/>
+          </a:stretch>
+        </p:blipFill>
+        <p:spPr>
+          <a:xfrm>
+            <a:off x="531519" y="1360927"/>
+            <a:ext cx="8920490" cy="5165002"/>
+          </a:xfrm>
+          <a:prstGeom prst="rect">
+            <a:avLst/>
+          </a:prstGeom>
+        </p:spPr>
+      </p:pic>
+    </p:spTree>
+    <p:extLst>
+      <p:ext uri="{BB962C8B-B14F-4D97-AF65-F5344CB8AC3E}">
+        <p14:creationId xmlns:p14="http://schemas.microsoft.com/office/powerpoint/2010/main" val="3562030097"/>
+      </p:ext>
+    </p:extLst>
+  </p:cSld>
+  <p:clrMapOvr>
+    <a:masterClrMapping/>
+  </p:clrMapOvr>
+</p:sld>
+</file>
+
+<file path=ppt/slides/slide12.xml><?xml version="1.0" encoding="utf-8"?>
+<p:sld xmlns:a="http://schemas.openxmlformats.org/drawingml/2006/main" xmlns:r="http://schemas.openxmlformats.org/officeDocument/2006/relationships" xmlns:p="http://schemas.openxmlformats.org/presentationml/2006/main">
+  <p:cSld>
+    <p:spTree>
+      <p:nvGrpSpPr>
+        <p:cNvPr id="1" name=""/>
+        <p:cNvGrpSpPr/>
+        <p:nvPr/>
+      </p:nvGrpSpPr>
+      <p:grpSpPr>
+        <a:xfrm>
+          <a:off x="0" y="0"/>
+          <a:ext cx="0" cy="0"/>
+          <a:chOff x="0" y="0"/>
+          <a:chExt cx="0" cy="0"/>
+        </a:xfrm>
+      </p:grpSpPr>
+      <p:sp>
+        <p:nvSpPr>
+          <p:cNvPr id="2" name="Title 1">
+            <a:extLst>
+              <a:ext uri="{FF2B5EF4-FFF2-40B4-BE49-F238E27FC236}">
+                <a16:creationId xmlns:a16="http://schemas.microsoft.com/office/drawing/2014/main" id="{381234E7-01EF-5C0A-0DBB-8DD854AB3101}"/>
+              </a:ext>
+            </a:extLst>
+          </p:cNvPr>
+          <p:cNvSpPr>
+            <a:spLocks noGrp="1"/>
+          </p:cNvSpPr>
+          <p:nvPr>
+            <p:ph type="title"/>
+          </p:nvPr>
+        </p:nvSpPr>
+        <p:spPr/>
+        <p:txBody>
+          <a:bodyPr/>
+          <a:lstStyle/>
+          <a:p>
+            <a:r>
+              <a:rPr lang="en-US" dirty="0"/>
+              <a:t>Admin Module</a:t>
+            </a:r>
+            <a:endParaRPr lang="en-IN" dirty="0"/>
+          </a:p>
+        </p:txBody>
+      </p:sp>
+      <p:pic>
+        <p:nvPicPr>
+          <p:cNvPr id="9" name="Picture 8">
+            <a:extLst>
+              <a:ext uri="{FF2B5EF4-FFF2-40B4-BE49-F238E27FC236}">
+                <a16:creationId xmlns:a16="http://schemas.microsoft.com/office/drawing/2014/main" id="{F3DCFBA3-C1D4-6E40-30C4-390C02E8076B}"/>
+              </a:ext>
+            </a:extLst>
+          </p:cNvPr>
+          <p:cNvPicPr>
+            <a:picLocks noChangeAspect="1"/>
+          </p:cNvPicPr>
+          <p:nvPr/>
+        </p:nvPicPr>
+        <p:blipFill>
+          <a:blip r:embed="rId2">
+            <a:extLst>
+              <a:ext uri="{28A0092B-C50C-407E-A947-70E740481C1C}">
+                <a14:useLocalDpi xmlns:a14="http://schemas.microsoft.com/office/drawing/2010/main" val="0"/>
+              </a:ext>
+            </a:extLst>
+          </a:blip>
+          <a:stretch>
+            <a:fillRect/>
+          </a:stretch>
+        </p:blipFill>
+        <p:spPr>
+          <a:xfrm>
+            <a:off x="183054" y="1546222"/>
+            <a:ext cx="6289663" cy="3896693"/>
+          </a:xfrm>
+          <a:prstGeom prst="rect">
+            <a:avLst/>
+          </a:prstGeom>
+        </p:spPr>
+      </p:pic>
+      <p:pic>
+        <p:nvPicPr>
+          <p:cNvPr id="11" name="Picture 10">
+            <a:extLst>
+              <a:ext uri="{FF2B5EF4-FFF2-40B4-BE49-F238E27FC236}">
+                <a16:creationId xmlns:a16="http://schemas.microsoft.com/office/drawing/2014/main" id="{6B015C9A-0015-7E04-8C27-91B78C712B81}"/>
+              </a:ext>
+            </a:extLst>
+          </p:cNvPr>
+          <p:cNvPicPr>
+            <a:picLocks noChangeAspect="1"/>
+          </p:cNvPicPr>
+          <p:nvPr/>
+        </p:nvPicPr>
+        <p:blipFill>
+          <a:blip r:embed="rId3">
+            <a:extLst>
+              <a:ext uri="{28A0092B-C50C-407E-A947-70E740481C1C}">
+                <a14:useLocalDpi xmlns:a14="http://schemas.microsoft.com/office/drawing/2010/main" val="0"/>
+              </a:ext>
+            </a:extLst>
+          </a:blip>
+          <a:stretch>
+            <a:fillRect/>
+          </a:stretch>
+        </p:blipFill>
+        <p:spPr>
+          <a:xfrm>
+            <a:off x="6621165" y="1546222"/>
+            <a:ext cx="5387781" cy="3896693"/>
+          </a:xfrm>
+          <a:prstGeom prst="rect">
+            <a:avLst/>
+          </a:prstGeom>
+        </p:spPr>
+      </p:pic>
+    </p:spTree>
+    <p:extLst>
+      <p:ext uri="{BB962C8B-B14F-4D97-AF65-F5344CB8AC3E}">
+        <p14:creationId xmlns:p14="http://schemas.microsoft.com/office/powerpoint/2010/main" val="846503019"/>
+      </p:ext>
+    </p:extLst>
+  </p:cSld>
+  <p:clrMapOvr>
+    <a:masterClrMapping/>
+  </p:clrMapOvr>
+</p:sld>
+</file>
+
+<file path=ppt/slides/slide13.xml><?xml version="1.0" encoding="utf-8"?>
+<p:sld xmlns:a="http://schemas.openxmlformats.org/drawingml/2006/main" xmlns:r="http://schemas.openxmlformats.org/officeDocument/2006/relationships" xmlns:p="http://schemas.openxmlformats.org/presentationml/2006/main">
+  <p:cSld>
+    <p:spTree>
+      <p:nvGrpSpPr>
+        <p:cNvPr id="1" name=""/>
+        <p:cNvGrpSpPr/>
+        <p:nvPr/>
+      </p:nvGrpSpPr>
+      <p:grpSpPr>
+        <a:xfrm>
+          <a:off x="0" y="0"/>
+          <a:ext cx="0" cy="0"/>
+          <a:chOff x="0" y="0"/>
+          <a:chExt cx="0" cy="0"/>
+        </a:xfrm>
+      </p:grpSpPr>
+      <p:sp>
+        <p:nvSpPr>
+          <p:cNvPr id="2" name="Title 1">
+            <a:extLst>
+              <a:ext uri="{FF2B5EF4-FFF2-40B4-BE49-F238E27FC236}">
+                <a16:creationId xmlns:a16="http://schemas.microsoft.com/office/drawing/2014/main" id="{F9B618FA-5DDF-1B3E-683C-00958C818222}"/>
+              </a:ext>
+            </a:extLst>
+          </p:cNvPr>
+          <p:cNvSpPr>
+            <a:spLocks noGrp="1"/>
+          </p:cNvSpPr>
+          <p:nvPr>
+            <p:ph type="title"/>
+          </p:nvPr>
+        </p:nvSpPr>
+        <p:spPr/>
+        <p:txBody>
+          <a:bodyPr/>
+          <a:lstStyle/>
+          <a:p>
+            <a:r>
+              <a:rPr lang="en-US" dirty="0"/>
+              <a:t>Approve or Reject the Leave</a:t>
+            </a:r>
+            <a:endParaRPr lang="en-IN" dirty="0"/>
+          </a:p>
+        </p:txBody>
+      </p:sp>
+      <p:pic>
+        <p:nvPicPr>
+          <p:cNvPr id="7" name="Content Placeholder 6">
+            <a:extLst>
+              <a:ext uri="{FF2B5EF4-FFF2-40B4-BE49-F238E27FC236}">
+                <a16:creationId xmlns:a16="http://schemas.microsoft.com/office/drawing/2014/main" id="{A58D901A-4F28-C5F0-078C-6F3F37913E23}"/>
+              </a:ext>
+            </a:extLst>
+          </p:cNvPr>
+          <p:cNvPicPr>
+            <a:picLocks noGrp="1" noChangeAspect="1"/>
+          </p:cNvPicPr>
+          <p:nvPr>
+            <p:ph idx="1"/>
+          </p:nvPr>
+        </p:nvPicPr>
+        <p:blipFill>
+          <a:blip r:embed="rId2">
+            <a:extLst>
+              <a:ext uri="{28A0092B-C50C-407E-A947-70E740481C1C}">
+                <a14:useLocalDpi xmlns:a14="http://schemas.microsoft.com/office/drawing/2010/main" val="0"/>
+              </a:ext>
+            </a:extLst>
+          </a:blip>
+          <a:stretch>
+            <a:fillRect/>
+          </a:stretch>
+        </p:blipFill>
+        <p:spPr>
+          <a:xfrm>
+            <a:off x="312738" y="1604010"/>
+            <a:ext cx="11341874" cy="4801272"/>
+          </a:xfrm>
+        </p:spPr>
+      </p:pic>
+    </p:spTree>
+    <p:extLst>
+      <p:ext uri="{BB962C8B-B14F-4D97-AF65-F5344CB8AC3E}">
+        <p14:creationId xmlns:p14="http://schemas.microsoft.com/office/powerpoint/2010/main" val="3936931209"/>
+      </p:ext>
+    </p:extLst>
+  </p:cSld>
+  <p:clrMapOvr>
+    <a:masterClrMapping/>
+  </p:clrMapOvr>
+</p:sld>
+</file>
+
+<file path=ppt/slides/slide14.xml><?xml version="1.0" encoding="utf-8"?>
+<p:sld xmlns:a="http://schemas.openxmlformats.org/drawingml/2006/main" xmlns:r="http://schemas.openxmlformats.org/officeDocument/2006/relationships" xmlns:p="http://schemas.openxmlformats.org/presentationml/2006/main">
+  <p:cSld>
+    <p:spTree>
+      <p:nvGrpSpPr>
+        <p:cNvPr id="1" name=""/>
+        <p:cNvGrpSpPr/>
+        <p:nvPr/>
+      </p:nvGrpSpPr>
+      <p:grpSpPr>
+        <a:xfrm>
+          <a:off x="0" y="0"/>
+          <a:ext cx="0" cy="0"/>
+          <a:chOff x="0" y="0"/>
+          <a:chExt cx="0" cy="0"/>
+        </a:xfrm>
+      </p:grpSpPr>
+      <p:sp>
+        <p:nvSpPr>
+          <p:cNvPr id="2" name="Title 1">
+            <a:extLst>
+              <a:ext uri="{FF2B5EF4-FFF2-40B4-BE49-F238E27FC236}">
                 <a16:creationId xmlns:a16="http://schemas.microsoft.com/office/drawing/2014/main" id="{7630272A-0627-5529-88F0-17F1ADBD4728}"/>
               </a:ext>
             </a:extLst>
@@ -6275,7 +6697,7 @@
 </p:sld>
 </file>
 
-<file path=ppt/slides/slide11.xml><?xml version="1.0" encoding="utf-8"?>
+<file path=ppt/slides/slide15.xml><?xml version="1.0" encoding="utf-8"?>
 <p:sld xmlns:a="http://schemas.openxmlformats.org/drawingml/2006/main" xmlns:r="http://schemas.openxmlformats.org/officeDocument/2006/relationships" xmlns:p="http://schemas.openxmlformats.org/presentationml/2006/main">
   <p:cSld>
     <p:spTree>
@@ -6369,7 +6791,7 @@
 </p:sld>
 </file>
 
-<file path=ppt/slides/slide12.xml><?xml version="1.0" encoding="utf-8"?>
+<file path=ppt/slides/slide16.xml><?xml version="1.0" encoding="utf-8"?>
 <p:sld xmlns:a="http://schemas.openxmlformats.org/drawingml/2006/main" xmlns:r="http://schemas.openxmlformats.org/officeDocument/2006/relationships" xmlns:p="http://schemas.openxmlformats.org/presentationml/2006/main">
   <p:cSld>
     <p:spTree>
@@ -6449,9 +6871,8 @@
           <a:p>
             <a:r>
               <a:rPr lang="en-US" sz="2400" dirty="0"/>
-              <a:t>In conclusion, the Office Leave Management System is a powerful tool that can help organizations of all sizes to streamline their leave management process and improve overall efficiency.</a:t>
-            </a:r>
-            <a:endParaRPr lang="en-IN" sz="2400" dirty="0"/>
+              <a:t>In conclusion, the Office Leave Management System is a crucial tool for modern organizations that want to streamline their leave management processes, enhance productivity, and improve employee satisfaction. It offers numerous benefits, such as automation, accuracy, transparency, and collaboration, and helps to overcome common challenges, such as resistance to change and data privacy concerns.</a:t>
+            </a:r>
           </a:p>
         </p:txBody>
       </p:sp>
@@ -6459,6 +6880,71 @@
     <p:extLst>
       <p:ext uri="{BB962C8B-B14F-4D97-AF65-F5344CB8AC3E}">
         <p14:creationId xmlns:p14="http://schemas.microsoft.com/office/powerpoint/2010/main" val="601801345"/>
+      </p:ext>
+    </p:extLst>
+  </p:cSld>
+  <p:clrMapOvr>
+    <a:masterClrMapping/>
+  </p:clrMapOvr>
+</p:sld>
+</file>
+
+<file path=ppt/slides/slide17.xml><?xml version="1.0" encoding="utf-8"?>
+<p:sld xmlns:a="http://schemas.openxmlformats.org/drawingml/2006/main" xmlns:r="http://schemas.openxmlformats.org/officeDocument/2006/relationships" xmlns:p="http://schemas.openxmlformats.org/presentationml/2006/main">
+  <p:cSld>
+    <p:spTree>
+      <p:nvGrpSpPr>
+        <p:cNvPr id="1" name=""/>
+        <p:cNvGrpSpPr/>
+        <p:nvPr/>
+      </p:nvGrpSpPr>
+      <p:grpSpPr>
+        <a:xfrm>
+          <a:off x="0" y="0"/>
+          <a:ext cx="0" cy="0"/>
+          <a:chOff x="0" y="0"/>
+          <a:chExt cx="0" cy="0"/>
+        </a:xfrm>
+      </p:grpSpPr>
+      <p:sp>
+        <p:nvSpPr>
+          <p:cNvPr id="2" name="Title 1">
+            <a:extLst>
+              <a:ext uri="{FF2B5EF4-FFF2-40B4-BE49-F238E27FC236}">
+                <a16:creationId xmlns:a16="http://schemas.microsoft.com/office/drawing/2014/main" id="{F3D242B4-1A55-1FDE-D7FA-9EC15081FB71}"/>
+              </a:ext>
+            </a:extLst>
+          </p:cNvPr>
+          <p:cNvSpPr>
+            <a:spLocks noGrp="1"/>
+          </p:cNvSpPr>
+          <p:nvPr>
+            <p:ph type="title"/>
+          </p:nvPr>
+        </p:nvSpPr>
+        <p:spPr>
+          <a:xfrm>
+            <a:off x="1103311" y="2840793"/>
+            <a:ext cx="9404723" cy="1400530"/>
+          </a:xfrm>
+        </p:spPr>
+        <p:txBody>
+          <a:bodyPr/>
+          <a:lstStyle/>
+          <a:p>
+            <a:pPr algn="ctr"/>
+            <a:r>
+              <a:rPr lang="en-US" sz="6000" dirty="0"/>
+              <a:t>Thank You</a:t>
+            </a:r>
+            <a:endParaRPr lang="en-IN" sz="6000" dirty="0"/>
+          </a:p>
+        </p:txBody>
+      </p:sp>
+    </p:spTree>
+    <p:extLst>
+      <p:ext uri="{BB962C8B-B14F-4D97-AF65-F5344CB8AC3E}">
+        <p14:creationId xmlns:p14="http://schemas.microsoft.com/office/powerpoint/2010/main" val="542196904"/>
       </p:ext>
     </p:extLst>
   </p:cSld>
@@ -6529,18 +7015,21 @@
             <p:ph idx="1"/>
           </p:nvPr>
         </p:nvSpPr>
-        <p:spPr/>
-        <p:txBody>
-          <a:bodyPr/>
-          <a:lstStyle/>
-          <a:p>
-            <a:r>
-              <a:rPr lang="en-US" sz="2400" b="1" dirty="0"/>
-              <a:t>The Office Leave Management System </a:t>
-            </a:r>
+        <p:spPr>
+          <a:xfrm>
+            <a:off x="1095374" y="1724025"/>
+            <a:ext cx="8954479" cy="4524374"/>
+          </a:xfrm>
+        </p:spPr>
+        <p:txBody>
+          <a:bodyPr>
+            <a:normAutofit fontScale="92500"/>
+          </a:bodyPr>
+          <a:lstStyle/>
+          <a:p>
             <a:r>
               <a:rPr lang="en-US" sz="2400" dirty="0"/>
-              <a:t>is an innovative solution designed to streamline and automate the process of managing employee leave requests.</a:t>
+              <a:t>The Office Leave Management System is a digital tool that enables organizations to manage and track employee leaves effectively. It streamlines the leave application process, eliminates manual errors, and ensures compliance with company policies and regulations.</a:t>
             </a:r>
           </a:p>
           <a:p>
@@ -6552,7 +7041,7 @@
           <a:p>
             <a:r>
               <a:rPr lang="en-US" sz="2400" dirty="0"/>
-              <a:t>This system provides a centralized platform for employees to submit leave requests, track their leave balances, and receive approvals from their managers.</a:t>
+              <a:t>This system provides a centralized platform for employees to apply for leaves, check their leave balances, view their leave history, and receive approval or rejection notifications in real-time. It also allows managers to review and approve/deny leave requests, and maintain an accurate record of employee attendance.</a:t>
             </a:r>
           </a:p>
           <a:p>
@@ -6616,6 +7105,10 @@
           <a:bodyPr/>
           <a:lstStyle/>
           <a:p>
+            <a:r>
+              <a:rPr lang="en-US" dirty="0"/>
+              <a:t>Benefits of Office Leave Management System</a:t>
+            </a:r>
             <a:endParaRPr lang="en-IN" dirty="0"/>
           </a:p>
         </p:txBody>
@@ -6649,10 +7142,15 @@
           <a:lstStyle/>
           <a:p>
             <a:r>
-              <a:rPr lang="en-US" sz="2400" dirty="0"/>
-              <a:t>The Office Leave Management System offers a range of features that make it easy for both employees and managers to manage leave requests. These features include automated leave balance calculations, customizable leave policies, and real-time status updates on leave requests.</a:t>
-            </a:r>
-            <a:endParaRPr lang="en-IN" sz="2400" dirty="0"/>
+              <a:rPr lang="en-US" sz="2000" dirty="0"/>
+              <a:t>The Office Leave Management System offers numerous benefits to both employers and employees. For instance, it helps to reduce administrative workload and paperwork, which saves time and resources. It also minimizes errors and discrepancies in leave records, which enhances accuracy and accountability.</a:t>
+            </a:r>
+          </a:p>
+          <a:p>
+            <a:r>
+              <a:rPr lang="en-US" sz="2000" dirty="0"/>
+              <a:t>Moreover, this system promotes transparency and fairness in leave allocation and approval processes. Employees can easily access their leave information and track their balances, while managers can monitor employee attendance and ensure adequate staffing levels. Additionally, it improves communication and collaboration among team members, as everyone can view the same information and updates in real-time.</a:t>
+            </a:r>
           </a:p>
         </p:txBody>
       </p:sp>
@@ -6691,6 +7189,96 @@
           <p:cNvPr id="2" name="Title 1">
             <a:extLst>
               <a:ext uri="{FF2B5EF4-FFF2-40B4-BE49-F238E27FC236}">
+                <a16:creationId xmlns:a16="http://schemas.microsoft.com/office/drawing/2014/main" id="{C935ECA3-3F27-5F48-BDA9-E9D9EAA38EF5}"/>
+              </a:ext>
+            </a:extLst>
+          </p:cNvPr>
+          <p:cNvSpPr>
+            <a:spLocks noGrp="1"/>
+          </p:cNvSpPr>
+          <p:nvPr>
+            <p:ph type="title"/>
+          </p:nvPr>
+        </p:nvSpPr>
+        <p:spPr/>
+        <p:txBody>
+          <a:bodyPr/>
+          <a:lstStyle/>
+          <a:p>
+            <a:r>
+              <a:rPr lang="en-US" dirty="0"/>
+              <a:t>Features of Office Leave Management System</a:t>
+            </a:r>
+            <a:endParaRPr lang="en-IN" dirty="0"/>
+          </a:p>
+        </p:txBody>
+      </p:sp>
+      <p:sp>
+        <p:nvSpPr>
+          <p:cNvPr id="3" name="Content Placeholder 2">
+            <a:extLst>
+              <a:ext uri="{FF2B5EF4-FFF2-40B4-BE49-F238E27FC236}">
+                <a16:creationId xmlns:a16="http://schemas.microsoft.com/office/drawing/2014/main" id="{7E613746-CFFF-9202-FC87-EFDB02B34B06}"/>
+              </a:ext>
+            </a:extLst>
+          </p:cNvPr>
+          <p:cNvSpPr>
+            <a:spLocks noGrp="1"/>
+          </p:cNvSpPr>
+          <p:nvPr>
+            <p:ph idx="1"/>
+          </p:nvPr>
+        </p:nvSpPr>
+        <p:spPr/>
+        <p:txBody>
+          <a:bodyPr>
+            <a:normAutofit/>
+          </a:bodyPr>
+          <a:lstStyle/>
+          <a:p>
+            <a:r>
+              <a:rPr lang="en-US" sz="2400" dirty="0"/>
+              <a:t>The Office Leave Management System comes with a range of features designed to simplify and automate leave management processes. These include an online leave application form, leave balance tracking, automated approval workflows, customized leave policies, and real-time notifications.</a:t>
+            </a:r>
+            <a:endParaRPr lang="en-IN" sz="2400" dirty="0"/>
+          </a:p>
+        </p:txBody>
+      </p:sp>
+    </p:spTree>
+    <p:extLst>
+      <p:ext uri="{BB962C8B-B14F-4D97-AF65-F5344CB8AC3E}">
+        <p14:creationId xmlns:p14="http://schemas.microsoft.com/office/powerpoint/2010/main" val="1293918751"/>
+      </p:ext>
+    </p:extLst>
+  </p:cSld>
+  <p:clrMapOvr>
+    <a:masterClrMapping/>
+  </p:clrMapOvr>
+</p:sld>
+</file>
+
+<file path=ppt/slides/slide5.xml><?xml version="1.0" encoding="utf-8"?>
+<p:sld xmlns:a="http://schemas.openxmlformats.org/drawingml/2006/main" xmlns:r="http://schemas.openxmlformats.org/officeDocument/2006/relationships" xmlns:p="http://schemas.openxmlformats.org/presentationml/2006/main">
+  <p:cSld>
+    <p:spTree>
+      <p:nvGrpSpPr>
+        <p:cNvPr id="1" name=""/>
+        <p:cNvGrpSpPr/>
+        <p:nvPr/>
+      </p:nvGrpSpPr>
+      <p:grpSpPr>
+        <a:xfrm>
+          <a:off x="0" y="0"/>
+          <a:ext cx="0" cy="0"/>
+          <a:chOff x="0" y="0"/>
+          <a:chExt cx="0" cy="0"/>
+        </a:xfrm>
+      </p:grpSpPr>
+      <p:sp>
+        <p:nvSpPr>
+          <p:cNvPr id="2" name="Title 1">
+            <a:extLst>
+              <a:ext uri="{FF2B5EF4-FFF2-40B4-BE49-F238E27FC236}">
                 <a16:creationId xmlns:a16="http://schemas.microsoft.com/office/drawing/2014/main" id="{3EF821D8-CE6C-2605-5D23-138A32F41C58}"/>
               </a:ext>
             </a:extLst>
@@ -6827,7 +7415,7 @@
 </p:sld>
 </file>
 
-<file path=ppt/slides/slide5.xml><?xml version="1.0" encoding="utf-8"?>
+<file path=ppt/slides/slide6.xml><?xml version="1.0" encoding="utf-8"?>
 <p:sld xmlns:a="http://schemas.openxmlformats.org/drawingml/2006/main" xmlns:r="http://schemas.openxmlformats.org/officeDocument/2006/relationships" xmlns:p="http://schemas.openxmlformats.org/presentationml/2006/main">
   <p:cSld>
     <p:spTree>
@@ -6921,7 +7509,7 @@
 </p:sld>
 </file>
 
-<file path=ppt/slides/slide6.xml><?xml version="1.0" encoding="utf-8"?>
+<file path=ppt/slides/slide7.xml><?xml version="1.0" encoding="utf-8"?>
 <p:sld xmlns:a="http://schemas.openxmlformats.org/drawingml/2006/main" xmlns:r="http://schemas.openxmlformats.org/officeDocument/2006/relationships" xmlns:p="http://schemas.openxmlformats.org/presentationml/2006/main">
   <p:cSld>
     <p:spTree>
@@ -6961,7 +7549,7 @@
           <a:p>
             <a:r>
               <a:rPr lang="en-US" dirty="0"/>
-              <a:t>Use Case UML Diagram</a:t>
+              <a:t>Sequence UML Diagram</a:t>
             </a:r>
             <a:endParaRPr lang="en-IN" dirty="0"/>
           </a:p>
@@ -7015,7 +7603,7 @@
 </p:sld>
 </file>
 
-<file path=ppt/slides/slide7.xml><?xml version="1.0" encoding="utf-8"?>
+<file path=ppt/slides/slide8.xml><?xml version="1.0" encoding="utf-8"?>
 <p:sld xmlns:a="http://schemas.openxmlformats.org/drawingml/2006/main" xmlns:r="http://schemas.openxmlformats.org/officeDocument/2006/relationships" xmlns:p="http://schemas.openxmlformats.org/presentationml/2006/main">
   <p:cSld>
     <p:spTree>
@@ -7109,100 +7697,6 @@
 </p:sld>
 </file>
 
-<file path=ppt/slides/slide8.xml><?xml version="1.0" encoding="utf-8"?>
-<p:sld xmlns:a="http://schemas.openxmlformats.org/drawingml/2006/main" xmlns:r="http://schemas.openxmlformats.org/officeDocument/2006/relationships" xmlns:p="http://schemas.openxmlformats.org/presentationml/2006/main">
-  <p:cSld>
-    <p:spTree>
-      <p:nvGrpSpPr>
-        <p:cNvPr id="1" name=""/>
-        <p:cNvGrpSpPr/>
-        <p:nvPr/>
-      </p:nvGrpSpPr>
-      <p:grpSpPr>
-        <a:xfrm>
-          <a:off x="0" y="0"/>
-          <a:ext cx="0" cy="0"/>
-          <a:chOff x="0" y="0"/>
-          <a:chExt cx="0" cy="0"/>
-        </a:xfrm>
-      </p:grpSpPr>
-      <p:sp>
-        <p:nvSpPr>
-          <p:cNvPr id="2" name="Title 1">
-            <a:extLst>
-              <a:ext uri="{FF2B5EF4-FFF2-40B4-BE49-F238E27FC236}">
-                <a16:creationId xmlns:a16="http://schemas.microsoft.com/office/drawing/2014/main" id="{6A9A108C-27CA-BF37-D7B2-F3C1FE92364F}"/>
-              </a:ext>
-            </a:extLst>
-          </p:cNvPr>
-          <p:cNvSpPr>
-            <a:spLocks noGrp="1"/>
-          </p:cNvSpPr>
-          <p:nvPr>
-            <p:ph type="title"/>
-          </p:nvPr>
-        </p:nvSpPr>
-        <p:spPr/>
-        <p:txBody>
-          <a:bodyPr/>
-          <a:lstStyle/>
-          <a:p>
-            <a:r>
-              <a:rPr lang="en-US" dirty="0"/>
-              <a:t>Apply for leave</a:t>
-            </a:r>
-            <a:endParaRPr lang="en-IN" dirty="0"/>
-          </a:p>
-        </p:txBody>
-      </p:sp>
-      <p:pic>
-        <p:nvPicPr>
-          <p:cNvPr id="5" name="Content Placeholder 4">
-            <a:extLst>
-              <a:ext uri="{FF2B5EF4-FFF2-40B4-BE49-F238E27FC236}">
-                <a16:creationId xmlns:a16="http://schemas.microsoft.com/office/drawing/2014/main" id="{0F9A8647-A054-93C3-BAA6-822E82299B92}"/>
-              </a:ext>
-            </a:extLst>
-          </p:cNvPr>
-          <p:cNvPicPr>
-            <a:picLocks noGrp="1" noChangeAspect="1"/>
-          </p:cNvPicPr>
-          <p:nvPr>
-            <p:ph idx="1"/>
-          </p:nvPr>
-        </p:nvPicPr>
-        <p:blipFill>
-          <a:blip r:embed="rId2">
-            <a:extLst>
-              <a:ext uri="{28A0092B-C50C-407E-A947-70E740481C1C}">
-                <a14:useLocalDpi xmlns:a14="http://schemas.microsoft.com/office/drawing/2010/main" val="0"/>
-              </a:ext>
-            </a:extLst>
-          </a:blip>
-          <a:stretch>
-            <a:fillRect/>
-          </a:stretch>
-        </p:blipFill>
-        <p:spPr>
-          <a:xfrm>
-            <a:off x="419100" y="1371599"/>
-            <a:ext cx="11410949" cy="5191125"/>
-          </a:xfrm>
-        </p:spPr>
-      </p:pic>
-    </p:spTree>
-    <p:extLst>
-      <p:ext uri="{BB962C8B-B14F-4D97-AF65-F5344CB8AC3E}">
-        <p14:creationId xmlns:p14="http://schemas.microsoft.com/office/powerpoint/2010/main" val="1371630020"/>
-      </p:ext>
-    </p:extLst>
-  </p:cSld>
-  <p:clrMapOvr>
-    <a:masterClrMapping/>
-  </p:clrMapOvr>
-</p:sld>
-</file>
-
 <file path=ppt/slides/slide9.xml><?xml version="1.0" encoding="utf-8"?>
 <p:sld xmlns:a="http://schemas.openxmlformats.org/drawingml/2006/main" xmlns:r="http://schemas.openxmlformats.org/officeDocument/2006/relationships" xmlns:p="http://schemas.openxmlformats.org/presentationml/2006/main">
   <p:cSld>
@@ -7225,7 +7719,7 @@
           <p:cNvPr id="2" name="Title 1">
             <a:extLst>
               <a:ext uri="{FF2B5EF4-FFF2-40B4-BE49-F238E27FC236}">
-                <a16:creationId xmlns:a16="http://schemas.microsoft.com/office/drawing/2014/main" id="{F9B618FA-5DDF-1B3E-683C-00958C818222}"/>
+                <a16:creationId xmlns:a16="http://schemas.microsoft.com/office/drawing/2014/main" id="{26F48687-685A-9EE3-B5F2-947B17B4E1F0}"/>
               </a:ext>
             </a:extLst>
           </p:cNvPr>
@@ -7243,7 +7737,7 @@
           <a:p>
             <a:r>
               <a:rPr lang="en-US" dirty="0"/>
-              <a:t>Approve or Reject the Leave</a:t>
+              <a:t>Employee Module</a:t>
             </a:r>
             <a:endParaRPr lang="en-IN" dirty="0"/>
           </a:p>
@@ -7251,19 +7745,17 @@
       </p:sp>
       <p:pic>
         <p:nvPicPr>
-          <p:cNvPr id="7" name="Content Placeholder 6">
+          <p:cNvPr id="5" name="Picture 4">
             <a:extLst>
               <a:ext uri="{FF2B5EF4-FFF2-40B4-BE49-F238E27FC236}">
-                <a16:creationId xmlns:a16="http://schemas.microsoft.com/office/drawing/2014/main" id="{A58D901A-4F28-C5F0-078C-6F3F37913E23}"/>
+                <a16:creationId xmlns:a16="http://schemas.microsoft.com/office/drawing/2014/main" id="{D9569259-A31F-B5C4-6F00-E164CEF53A84}"/>
               </a:ext>
             </a:extLst>
           </p:cNvPr>
           <p:cNvPicPr>
-            <a:picLocks noGrp="1" noChangeAspect="1"/>
+            <a:picLocks noChangeAspect="1"/>
           </p:cNvPicPr>
-          <p:nvPr>
-            <p:ph idx="1"/>
-          </p:nvPr>
+          <p:nvPr/>
         </p:nvPicPr>
         <p:blipFill>
           <a:blip r:embed="rId2">
@@ -7279,15 +7771,18 @@
         </p:blipFill>
         <p:spPr>
           <a:xfrm>
-            <a:off x="312738" y="1604010"/>
-            <a:ext cx="11341874" cy="4801272"/>
+            <a:off x="563880" y="1676400"/>
+            <a:ext cx="11064240" cy="4858012"/>
           </a:xfrm>
+          <a:prstGeom prst="rect">
+            <a:avLst/>
+          </a:prstGeom>
         </p:spPr>
       </p:pic>
     </p:spTree>
     <p:extLst>
       <p:ext uri="{BB962C8B-B14F-4D97-AF65-F5344CB8AC3E}">
-        <p14:creationId xmlns:p14="http://schemas.microsoft.com/office/powerpoint/2010/main" val="3936931209"/>
+        <p14:creationId xmlns:p14="http://schemas.microsoft.com/office/powerpoint/2010/main" val="1725606737"/>
       </p:ext>
     </p:extLst>
   </p:cSld>
